--- a/ppt/GustavoJimenez_T1A1_PPT.pptx
+++ b/ppt/GustavoJimenez_T1A1_PPT.pptx
@@ -4064,7 +4064,7 @@
       </p:sp>
       <p:sp>
         <p:nvSpPr>
-          <p:cNvPr id="148" name="Work is the second link in the navigation menu. However, is not the only way to ge here, there are text link or images which strategically bring you here.…"/>
+          <p:cNvPr id="148" name="Work is the second link in the navigation menu. However, is not the only way to get here, there are text links and images which are placed strategically to bring you here.…"/>
           <p:cNvSpPr txBox="1"/>
           <p:nvPr/>
         </p:nvSpPr>
@@ -4098,7 +4098,7 @@
               <a:defRPr sz="2760"/>
             </a:pPr>
             <a:r>
-              <a:t>Work is the second link in the navigation menu. However, is not the only way to ge here, there are text link or images which strategically bring you here.</a:t>
+              <a:t>Work is the second link in the navigation menu. However, is not the only way to get here, there are text links and images which are placed strategically to bring you here.</a:t>
             </a:r>
           </a:p>
           <a:p>
@@ -4306,369 +4306,6 @@
 </file>
 
 <file path=ppt/slides/slide3.xml><?xml version="1.0" encoding="utf-8"?>
-<p:sld xmlns:a="http://schemas.openxmlformats.org/drawingml/2006/main" xmlns:r="http://schemas.openxmlformats.org/officeDocument/2006/relationships" xmlns:p="http://schemas.openxmlformats.org/presentationml/2006/main" xmlns:m="http://schemas.openxmlformats.org/officeDocument/2006/math" xmlns:a14="http://schemas.microsoft.com/office/drawing/2010/main" showMasterSp="1" showMasterPhAnim="1">
-  <p:cSld>
-    <p:bg>
-      <p:bgPr>
-        <a:solidFill>
-          <a:srgbClr val="1D1D1D"/>
-        </a:solidFill>
-      </p:bgPr>
-    </p:bg>
-    <p:spTree>
-      <p:nvGrpSpPr>
-        <p:cNvPr id="1" name=""/>
-        <p:cNvGrpSpPr/>
-        <p:nvPr/>
-      </p:nvGrpSpPr>
-      <p:grpSpPr>
-        <a:xfrm>
-          <a:off x="0" y="0"/>
-          <a:ext cx="0" cy="0"/>
-          <a:chOff x="0" y="0"/>
-          <a:chExt cx="0" cy="0"/>
-        </a:xfrm>
-      </p:grpSpPr>
-      <p:sp>
-        <p:nvSpPr>
-          <p:cNvPr id="153" name="R6 Wireframes  and design"/>
-          <p:cNvSpPr txBox="1"/>
-          <p:nvPr>
-            <p:ph type="ctrTitle"/>
-          </p:nvPr>
-        </p:nvSpPr>
-        <p:spPr>
-          <a:xfrm>
-            <a:off x="1473200" y="860386"/>
-            <a:ext cx="17231172" cy="1019929"/>
-          </a:xfrm>
-          <a:prstGeom prst="rect">
-            <a:avLst/>
-          </a:prstGeom>
-        </p:spPr>
-        <p:txBody>
-          <a:bodyPr/>
-          <a:lstStyle>
-            <a:lvl1pPr defTabSz="577850">
-              <a:defRPr sz="5600"/>
-            </a:lvl1pPr>
-          </a:lstStyle>
-          <a:p>
-            <a:pPr/>
-            <a:r>
-              <a:t>R6 Wireframes  and design</a:t>
-            </a:r>
-          </a:p>
-        </p:txBody>
-      </p:sp>
-      <p:pic>
-        <p:nvPicPr>
-          <p:cNvPr id="154" name="GustavoJimenez_T1A2_WireframeDesign.png" descr="GustavoJimenez_T1A2_WireframeDesign.png"/>
-          <p:cNvPicPr>
-            <a:picLocks noChangeAspect="1"/>
-          </p:cNvPicPr>
-          <p:nvPr/>
-        </p:nvPicPr>
-        <p:blipFill>
-          <a:blip r:embed="rId2">
-            <a:extLst/>
-          </a:blip>
-          <a:srcRect l="0" t="0" r="0" b="0"/>
-          <a:stretch>
-            <a:fillRect/>
-          </a:stretch>
-        </p:blipFill>
-        <p:spPr>
-          <a:xfrm>
-            <a:off x="600054" y="2321515"/>
-            <a:ext cx="23183892" cy="10036632"/>
-          </a:xfrm>
-          <a:prstGeom prst="rect">
-            <a:avLst/>
-          </a:prstGeom>
-          <a:ln w="12700">
-            <a:miter lim="400000"/>
-          </a:ln>
-        </p:spPr>
-      </p:pic>
-      <p:sp>
-        <p:nvSpPr>
-          <p:cNvPr id="155" name="Desktop"/>
-          <p:cNvSpPr txBox="1"/>
-          <p:nvPr/>
-        </p:nvSpPr>
-        <p:spPr>
-          <a:xfrm>
-            <a:off x="12668327" y="6584125"/>
-            <a:ext cx="1490092" cy="547750"/>
-          </a:xfrm>
-          <a:prstGeom prst="rect">
-            <a:avLst/>
-          </a:prstGeom>
-          <a:ln w="12700">
-            <a:miter lim="400000"/>
-          </a:ln>
-          <a:extLst>
-            <a:ext uri="{C572A759-6A51-4108-AA02-DFA0A04FC94B}">
-              <ma14:wrappingTextBoxFlag xmlns:ma14="http://schemas.microsoft.com/office/mac/drawingml/2011/main" val="1"/>
-            </a:ext>
-          </a:extLst>
-        </p:spPr>
-        <p:txBody>
-          <a:bodyPr wrap="none" lIns="50800" tIns="50800" rIns="50800" bIns="50800" anchor="ctr">
-            <a:spAutoFit/>
-          </a:bodyPr>
-          <a:lstStyle/>
-          <a:p>
-            <a:pPr/>
-            <a:r>
-              <a:t>Desktop</a:t>
-            </a:r>
-          </a:p>
-        </p:txBody>
-      </p:sp>
-      <p:sp>
-        <p:nvSpPr>
-          <p:cNvPr id="156" name="Mobile"/>
-          <p:cNvSpPr txBox="1"/>
-          <p:nvPr/>
-        </p:nvSpPr>
-        <p:spPr>
-          <a:xfrm>
-            <a:off x="8897262" y="2572463"/>
-            <a:ext cx="1196341" cy="547750"/>
-          </a:xfrm>
-          <a:prstGeom prst="rect">
-            <a:avLst/>
-          </a:prstGeom>
-          <a:ln w="12700">
-            <a:miter lim="400000"/>
-          </a:ln>
-          <a:extLst>
-            <a:ext uri="{C572A759-6A51-4108-AA02-DFA0A04FC94B}">
-              <ma14:wrappingTextBoxFlag xmlns:ma14="http://schemas.microsoft.com/office/mac/drawingml/2011/main" val="1"/>
-            </a:ext>
-          </a:extLst>
-        </p:spPr>
-        <p:txBody>
-          <a:bodyPr wrap="none" lIns="50800" tIns="50800" rIns="50800" bIns="50800" anchor="ctr">
-            <a:spAutoFit/>
-          </a:bodyPr>
-          <a:lstStyle/>
-          <a:p>
-            <a:pPr/>
-            <a:r>
-              <a:t>Mobile</a:t>
-            </a:r>
-          </a:p>
-        </p:txBody>
-      </p:sp>
-      <p:sp>
-        <p:nvSpPr>
-          <p:cNvPr id="157" name="Line"/>
-          <p:cNvSpPr/>
-          <p:nvPr/>
-        </p:nvSpPr>
-        <p:spPr>
-          <a:xfrm flipV="1">
-            <a:off x="14267744" y="2288874"/>
-            <a:ext cx="1" cy="4687866"/>
-          </a:xfrm>
-          <a:prstGeom prst="line">
-            <a:avLst/>
-          </a:prstGeom>
-          <a:ln w="12700">
-            <a:solidFill>
-              <a:srgbClr val="FFFFFF"/>
-            </a:solidFill>
-            <a:miter lim="400000"/>
-          </a:ln>
-        </p:spPr>
-        <p:txBody>
-          <a:bodyPr lIns="50800" tIns="50800" rIns="50800" bIns="50800" anchor="ctr"/>
-          <a:lstStyle/>
-          <a:p>
-            <a:pPr algn="ctr">
-              <a:spcBef>
-                <a:spcPts val="0"/>
-              </a:spcBef>
-              <a:defRPr sz="5000">
-                <a:effectLst>
-                  <a:outerShdw sx="100000" sy="100000" kx="0" ky="0" algn="b" rotWithShape="0" blurRad="50800" dist="38100" dir="5400000">
-                    <a:srgbClr val="000000"/>
-                  </a:outerShdw>
-                </a:effectLst>
-              </a:defRPr>
-            </a:pPr>
-          </a:p>
-        </p:txBody>
-      </p:sp>
-      <p:sp>
-        <p:nvSpPr>
-          <p:cNvPr id="158" name="Line"/>
-          <p:cNvSpPr/>
-          <p:nvPr/>
-        </p:nvSpPr>
-        <p:spPr>
-          <a:xfrm flipV="1">
-            <a:off x="12559001" y="6685183"/>
-            <a:ext cx="1" cy="5656988"/>
-          </a:xfrm>
-          <a:prstGeom prst="line">
-            <a:avLst/>
-          </a:prstGeom>
-          <a:ln w="12700">
-            <a:solidFill>
-              <a:srgbClr val="FFFFFF"/>
-            </a:solidFill>
-            <a:miter lim="400000"/>
-          </a:ln>
-        </p:spPr>
-        <p:txBody>
-          <a:bodyPr lIns="50800" tIns="50800" rIns="50800" bIns="50800" anchor="ctr"/>
-          <a:lstStyle/>
-          <a:p>
-            <a:pPr algn="ctr">
-              <a:spcBef>
-                <a:spcPts val="0"/>
-              </a:spcBef>
-              <a:defRPr sz="5000">
-                <a:effectLst>
-                  <a:outerShdw sx="100000" sy="100000" kx="0" ky="0" algn="b" rotWithShape="0" blurRad="50800" dist="38100" dir="5400000">
-                    <a:srgbClr val="000000"/>
-                  </a:outerShdw>
-                </a:effectLst>
-              </a:defRPr>
-            </a:pPr>
-          </a:p>
-        </p:txBody>
-      </p:sp>
-      <p:sp>
-        <p:nvSpPr>
-          <p:cNvPr id="159" name="Line"/>
-          <p:cNvSpPr/>
-          <p:nvPr/>
-        </p:nvSpPr>
-        <p:spPr>
-          <a:xfrm flipV="1">
-            <a:off x="8839307" y="2629081"/>
-            <a:ext cx="1" cy="4007452"/>
-          </a:xfrm>
-          <a:prstGeom prst="line">
-            <a:avLst/>
-          </a:prstGeom>
-          <a:ln w="12700">
-            <a:solidFill>
-              <a:srgbClr val="FFFFFF"/>
-            </a:solidFill>
-            <a:miter lim="400000"/>
-          </a:ln>
-        </p:spPr>
-        <p:txBody>
-          <a:bodyPr lIns="50800" tIns="50800" rIns="50800" bIns="50800" anchor="ctr"/>
-          <a:lstStyle/>
-          <a:p>
-            <a:pPr algn="ctr">
-              <a:spcBef>
-                <a:spcPts val="0"/>
-              </a:spcBef>
-              <a:defRPr sz="5000">
-                <a:effectLst>
-                  <a:outerShdw sx="100000" sy="100000" kx="0" ky="0" algn="b" rotWithShape="0" blurRad="50800" dist="38100" dir="5400000">
-                    <a:srgbClr val="000000"/>
-                  </a:outerShdw>
-                </a:effectLst>
-              </a:defRPr>
-            </a:pPr>
-          </a:p>
-        </p:txBody>
-      </p:sp>
-      <p:sp>
-        <p:nvSpPr>
-          <p:cNvPr id="160" name="Tablet"/>
-          <p:cNvSpPr txBox="1"/>
-          <p:nvPr/>
-        </p:nvSpPr>
-        <p:spPr>
-          <a:xfrm>
-            <a:off x="10470963" y="11711102"/>
-            <a:ext cx="1081279" cy="547750"/>
-          </a:xfrm>
-          <a:prstGeom prst="rect">
-            <a:avLst/>
-          </a:prstGeom>
-          <a:ln w="12700">
-            <a:miter lim="400000"/>
-          </a:ln>
-          <a:extLst>
-            <a:ext uri="{C572A759-6A51-4108-AA02-DFA0A04FC94B}">
-              <ma14:wrappingTextBoxFlag xmlns:ma14="http://schemas.microsoft.com/office/mac/drawingml/2011/main" val="1"/>
-            </a:ext>
-          </a:extLst>
-        </p:spPr>
-        <p:txBody>
-          <a:bodyPr wrap="none" lIns="50800" tIns="50800" rIns="50800" bIns="50800" anchor="ctr">
-            <a:spAutoFit/>
-          </a:bodyPr>
-          <a:lstStyle/>
-          <a:p>
-            <a:pPr/>
-            <a:r>
-              <a:t>Tablet</a:t>
-            </a:r>
-          </a:p>
-        </p:txBody>
-      </p:sp>
-      <p:sp>
-        <p:nvSpPr>
-          <p:cNvPr id="161" name="Line"/>
-          <p:cNvSpPr/>
-          <p:nvPr/>
-        </p:nvSpPr>
-        <p:spPr>
-          <a:xfrm flipH="1" flipV="1">
-            <a:off x="684513" y="12363219"/>
-            <a:ext cx="10877804" cy="1"/>
-          </a:xfrm>
-          <a:prstGeom prst="line">
-            <a:avLst/>
-          </a:prstGeom>
-          <a:ln w="12700">
-            <a:solidFill>
-              <a:srgbClr val="FFFFFF"/>
-            </a:solidFill>
-            <a:miter lim="400000"/>
-          </a:ln>
-        </p:spPr>
-        <p:txBody>
-          <a:bodyPr lIns="50800" tIns="50800" rIns="50800" bIns="50800" anchor="ctr"/>
-          <a:lstStyle/>
-          <a:p>
-            <a:pPr algn="ctr">
-              <a:spcBef>
-                <a:spcPts val="0"/>
-              </a:spcBef>
-              <a:defRPr sz="5000">
-                <a:effectLst>
-                  <a:outerShdw sx="100000" sy="100000" kx="0" ky="0" algn="b" rotWithShape="0" blurRad="50800" dist="38100" dir="5400000">
-                    <a:srgbClr val="000000"/>
-                  </a:outerShdw>
-                </a:effectLst>
-              </a:defRPr>
-            </a:pPr>
-          </a:p>
-        </p:txBody>
-      </p:sp>
-    </p:spTree>
-  </p:cSld>
-  <p:clrMapOvr>
-    <a:masterClrMapping/>
-  </p:clrMapOvr>
-  <p:transition xmlns:p14="http://schemas.microsoft.com/office/powerpoint/2010/main" spd="med" advClick="1"/>
-</p:sld>
-</file>
-
-<file path=ppt/slides/slide4.xml><?xml version="1.0" encoding="utf-8"?>
 <p:sld xmlns:a="http://schemas.openxmlformats.org/drawingml/2006/main" xmlns:r="http://schemas.openxmlformats.org/officeDocument/2006/relationships" xmlns:p="http://schemas.openxmlformats.org/presentationml/2006/main" xmlns:m="http://schemas.openxmlformats.org/officeDocument/2006/math" xmlns:a14="http://schemas.microsoft.com/office/drawing/2010/main" showMasterSp="1" showMasterPhAnim="1">
   <p:cSld>
     <p:bg>
@@ -4702,7 +4339,7 @@
       </p:grpSpPr>
       <p:sp>
         <p:nvSpPr>
-          <p:cNvPr id="163" name="R6 Wireframes"/>
+          <p:cNvPr id="153" name="R6 Wireframes"/>
           <p:cNvSpPr txBox="1"/>
           <p:nvPr>
             <p:ph type="ctrTitle"/>
@@ -4734,7 +4371,7 @@
       </p:sp>
       <p:sp>
         <p:nvSpPr>
-          <p:cNvPr id="164" name="The intention of it"/>
+          <p:cNvPr id="154" name="The intention of it"/>
           <p:cNvSpPr txBox="1"/>
           <p:nvPr>
             <p:ph type="subTitle" sz="quarter" idx="1"/>
@@ -4773,7 +4410,7 @@
       </p:sp>
       <p:sp>
         <p:nvSpPr>
-          <p:cNvPr id="165" name="The wireframing process consisted in laying out the general structure of the site…"/>
+          <p:cNvPr id="155" name="The wireframing process consisted in laying out the general structure of the site…"/>
           <p:cNvSpPr txBox="1"/>
           <p:nvPr/>
         </p:nvSpPr>
@@ -4816,7 +4453,7 @@
               </a:spcBef>
             </a:pPr>
             <a:r>
-              <a:t>A visual representation of the workflow of my portfolio website, in which I planned to have the main pages to interact quickly and between each other, trying to get the user to navigate the site step by step, but also to get straight to the point they wish.</a:t>
+              <a:t>A visual representation of the workflow of my portfolio website, in which I planned to have the main pages to interact quickly and between each other, with the intention of inviting the user to navigate the site step by step, but also, to allow them to get to the point they wish.</a:t>
             </a:r>
           </a:p>
           <a:p>
@@ -4826,14 +4463,14 @@
               </a:spcBef>
             </a:pPr>
             <a:r>
-              <a:t>A clean and easy to understand user interface and smooth user experience</a:t>
+              <a:t>All in all I was looking for a clean and easy to understand user interface and smooth user experience</a:t>
             </a:r>
           </a:p>
         </p:txBody>
       </p:sp>
       <p:pic>
         <p:nvPicPr>
-          <p:cNvPr id="166" name="Desktop-Home.png" descr="Desktop-Home.png"/>
+          <p:cNvPr id="156" name="Desktop-Home.png" descr="Desktop-Home.png"/>
           <p:cNvPicPr>
             <a:picLocks noChangeAspect="1"/>
           </p:cNvPicPr>
@@ -4849,7 +4486,7 @@
         </p:blipFill>
         <p:spPr>
           <a:xfrm>
-            <a:off x="2395591" y="2730018"/>
+            <a:off x="2395590" y="2730018"/>
             <a:ext cx="7741568" cy="10440364"/>
           </a:xfrm>
           <a:prstGeom prst="rect">
@@ -4860,6 +4497,369 @@
           </a:ln>
         </p:spPr>
       </p:pic>
+    </p:spTree>
+  </p:cSld>
+  <p:clrMapOvr>
+    <a:masterClrMapping/>
+  </p:clrMapOvr>
+  <p:transition xmlns:p14="http://schemas.microsoft.com/office/powerpoint/2010/main" spd="med" advClick="1"/>
+</p:sld>
+</file>
+
+<file path=ppt/slides/slide4.xml><?xml version="1.0" encoding="utf-8"?>
+<p:sld xmlns:a="http://schemas.openxmlformats.org/drawingml/2006/main" xmlns:r="http://schemas.openxmlformats.org/officeDocument/2006/relationships" xmlns:p="http://schemas.openxmlformats.org/presentationml/2006/main" xmlns:m="http://schemas.openxmlformats.org/officeDocument/2006/math" xmlns:a14="http://schemas.microsoft.com/office/drawing/2010/main" showMasterSp="1" showMasterPhAnim="1">
+  <p:cSld>
+    <p:bg>
+      <p:bgPr>
+        <a:solidFill>
+          <a:srgbClr val="1D1D1D"/>
+        </a:solidFill>
+      </p:bgPr>
+    </p:bg>
+    <p:spTree>
+      <p:nvGrpSpPr>
+        <p:cNvPr id="1" name=""/>
+        <p:cNvGrpSpPr/>
+        <p:nvPr/>
+      </p:nvGrpSpPr>
+      <p:grpSpPr>
+        <a:xfrm>
+          <a:off x="0" y="0"/>
+          <a:ext cx="0" cy="0"/>
+          <a:chOff x="0" y="0"/>
+          <a:chExt cx="0" cy="0"/>
+        </a:xfrm>
+      </p:grpSpPr>
+      <p:sp>
+        <p:nvSpPr>
+          <p:cNvPr id="158" name="R6 Wireframes  and design"/>
+          <p:cNvSpPr txBox="1"/>
+          <p:nvPr>
+            <p:ph type="ctrTitle"/>
+          </p:nvPr>
+        </p:nvSpPr>
+        <p:spPr>
+          <a:xfrm>
+            <a:off x="1473200" y="860386"/>
+            <a:ext cx="17231172" cy="1019929"/>
+          </a:xfrm>
+          <a:prstGeom prst="rect">
+            <a:avLst/>
+          </a:prstGeom>
+        </p:spPr>
+        <p:txBody>
+          <a:bodyPr/>
+          <a:lstStyle>
+            <a:lvl1pPr defTabSz="577850">
+              <a:defRPr sz="5600"/>
+            </a:lvl1pPr>
+          </a:lstStyle>
+          <a:p>
+            <a:pPr/>
+            <a:r>
+              <a:t>R6 Wireframes  and design</a:t>
+            </a:r>
+          </a:p>
+        </p:txBody>
+      </p:sp>
+      <p:pic>
+        <p:nvPicPr>
+          <p:cNvPr id="159" name="GustavoJimenez_T1A2_WireframeDesign.png" descr="GustavoJimenez_T1A2_WireframeDesign.png"/>
+          <p:cNvPicPr>
+            <a:picLocks noChangeAspect="1"/>
+          </p:cNvPicPr>
+          <p:nvPr/>
+        </p:nvPicPr>
+        <p:blipFill>
+          <a:blip r:embed="rId2">
+            <a:extLst/>
+          </a:blip>
+          <a:srcRect l="0" t="0" r="0" b="0"/>
+          <a:stretch>
+            <a:fillRect/>
+          </a:stretch>
+        </p:blipFill>
+        <p:spPr>
+          <a:xfrm>
+            <a:off x="600054" y="2321515"/>
+            <a:ext cx="23183892" cy="10036632"/>
+          </a:xfrm>
+          <a:prstGeom prst="rect">
+            <a:avLst/>
+          </a:prstGeom>
+          <a:ln w="12700">
+            <a:miter lim="400000"/>
+          </a:ln>
+        </p:spPr>
+      </p:pic>
+      <p:sp>
+        <p:nvSpPr>
+          <p:cNvPr id="160" name="Desktop"/>
+          <p:cNvSpPr txBox="1"/>
+          <p:nvPr/>
+        </p:nvSpPr>
+        <p:spPr>
+          <a:xfrm>
+            <a:off x="12668327" y="6584125"/>
+            <a:ext cx="1490092" cy="547750"/>
+          </a:xfrm>
+          <a:prstGeom prst="rect">
+            <a:avLst/>
+          </a:prstGeom>
+          <a:ln w="12700">
+            <a:miter lim="400000"/>
+          </a:ln>
+          <a:extLst>
+            <a:ext uri="{C572A759-6A51-4108-AA02-DFA0A04FC94B}">
+              <ma14:wrappingTextBoxFlag xmlns:ma14="http://schemas.microsoft.com/office/mac/drawingml/2011/main" val="1"/>
+            </a:ext>
+          </a:extLst>
+        </p:spPr>
+        <p:txBody>
+          <a:bodyPr wrap="none" lIns="50800" tIns="50800" rIns="50800" bIns="50800" anchor="ctr">
+            <a:spAutoFit/>
+          </a:bodyPr>
+          <a:lstStyle/>
+          <a:p>
+            <a:pPr/>
+            <a:r>
+              <a:t>Desktop</a:t>
+            </a:r>
+          </a:p>
+        </p:txBody>
+      </p:sp>
+      <p:sp>
+        <p:nvSpPr>
+          <p:cNvPr id="161" name="Mobile"/>
+          <p:cNvSpPr txBox="1"/>
+          <p:nvPr/>
+        </p:nvSpPr>
+        <p:spPr>
+          <a:xfrm>
+            <a:off x="8897262" y="2572463"/>
+            <a:ext cx="1196341" cy="547750"/>
+          </a:xfrm>
+          <a:prstGeom prst="rect">
+            <a:avLst/>
+          </a:prstGeom>
+          <a:ln w="12700">
+            <a:miter lim="400000"/>
+          </a:ln>
+          <a:extLst>
+            <a:ext uri="{C572A759-6A51-4108-AA02-DFA0A04FC94B}">
+              <ma14:wrappingTextBoxFlag xmlns:ma14="http://schemas.microsoft.com/office/mac/drawingml/2011/main" val="1"/>
+            </a:ext>
+          </a:extLst>
+        </p:spPr>
+        <p:txBody>
+          <a:bodyPr wrap="none" lIns="50800" tIns="50800" rIns="50800" bIns="50800" anchor="ctr">
+            <a:spAutoFit/>
+          </a:bodyPr>
+          <a:lstStyle/>
+          <a:p>
+            <a:pPr/>
+            <a:r>
+              <a:t>Mobile</a:t>
+            </a:r>
+          </a:p>
+        </p:txBody>
+      </p:sp>
+      <p:sp>
+        <p:nvSpPr>
+          <p:cNvPr id="162" name="Line"/>
+          <p:cNvSpPr/>
+          <p:nvPr/>
+        </p:nvSpPr>
+        <p:spPr>
+          <a:xfrm flipV="1">
+            <a:off x="14267744" y="2288874"/>
+            <a:ext cx="1" cy="4687867"/>
+          </a:xfrm>
+          <a:prstGeom prst="line">
+            <a:avLst/>
+          </a:prstGeom>
+          <a:ln w="12700">
+            <a:solidFill>
+              <a:srgbClr val="FFFFFF"/>
+            </a:solidFill>
+            <a:miter lim="400000"/>
+          </a:ln>
+        </p:spPr>
+        <p:txBody>
+          <a:bodyPr lIns="50800" tIns="50800" rIns="50800" bIns="50800" anchor="ctr"/>
+          <a:lstStyle/>
+          <a:p>
+            <a:pPr algn="ctr">
+              <a:spcBef>
+                <a:spcPts val="0"/>
+              </a:spcBef>
+              <a:defRPr sz="5000">
+                <a:effectLst>
+                  <a:outerShdw sx="100000" sy="100000" kx="0" ky="0" algn="b" rotWithShape="0" blurRad="50800" dist="38100" dir="5400000">
+                    <a:srgbClr val="000000"/>
+                  </a:outerShdw>
+                </a:effectLst>
+              </a:defRPr>
+            </a:pPr>
+          </a:p>
+        </p:txBody>
+      </p:sp>
+      <p:sp>
+        <p:nvSpPr>
+          <p:cNvPr id="163" name="Line"/>
+          <p:cNvSpPr/>
+          <p:nvPr/>
+        </p:nvSpPr>
+        <p:spPr>
+          <a:xfrm flipV="1">
+            <a:off x="12559001" y="6685183"/>
+            <a:ext cx="1" cy="5656988"/>
+          </a:xfrm>
+          <a:prstGeom prst="line">
+            <a:avLst/>
+          </a:prstGeom>
+          <a:ln w="12700">
+            <a:solidFill>
+              <a:srgbClr val="FFFFFF"/>
+            </a:solidFill>
+            <a:miter lim="400000"/>
+          </a:ln>
+        </p:spPr>
+        <p:txBody>
+          <a:bodyPr lIns="50800" tIns="50800" rIns="50800" bIns="50800" anchor="ctr"/>
+          <a:lstStyle/>
+          <a:p>
+            <a:pPr algn="ctr">
+              <a:spcBef>
+                <a:spcPts val="0"/>
+              </a:spcBef>
+              <a:defRPr sz="5000">
+                <a:effectLst>
+                  <a:outerShdw sx="100000" sy="100000" kx="0" ky="0" algn="b" rotWithShape="0" blurRad="50800" dist="38100" dir="5400000">
+                    <a:srgbClr val="000000"/>
+                  </a:outerShdw>
+                </a:effectLst>
+              </a:defRPr>
+            </a:pPr>
+          </a:p>
+        </p:txBody>
+      </p:sp>
+      <p:sp>
+        <p:nvSpPr>
+          <p:cNvPr id="164" name="Line"/>
+          <p:cNvSpPr/>
+          <p:nvPr/>
+        </p:nvSpPr>
+        <p:spPr>
+          <a:xfrm flipV="1">
+            <a:off x="8839307" y="2629081"/>
+            <a:ext cx="1" cy="4007452"/>
+          </a:xfrm>
+          <a:prstGeom prst="line">
+            <a:avLst/>
+          </a:prstGeom>
+          <a:ln w="12700">
+            <a:solidFill>
+              <a:srgbClr val="FFFFFF"/>
+            </a:solidFill>
+            <a:miter lim="400000"/>
+          </a:ln>
+        </p:spPr>
+        <p:txBody>
+          <a:bodyPr lIns="50800" tIns="50800" rIns="50800" bIns="50800" anchor="ctr"/>
+          <a:lstStyle/>
+          <a:p>
+            <a:pPr algn="ctr">
+              <a:spcBef>
+                <a:spcPts val="0"/>
+              </a:spcBef>
+              <a:defRPr sz="5000">
+                <a:effectLst>
+                  <a:outerShdw sx="100000" sy="100000" kx="0" ky="0" algn="b" rotWithShape="0" blurRad="50800" dist="38100" dir="5400000">
+                    <a:srgbClr val="000000"/>
+                  </a:outerShdw>
+                </a:effectLst>
+              </a:defRPr>
+            </a:pPr>
+          </a:p>
+        </p:txBody>
+      </p:sp>
+      <p:sp>
+        <p:nvSpPr>
+          <p:cNvPr id="165" name="Tablet"/>
+          <p:cNvSpPr txBox="1"/>
+          <p:nvPr/>
+        </p:nvSpPr>
+        <p:spPr>
+          <a:xfrm>
+            <a:off x="10470963" y="11711102"/>
+            <a:ext cx="1081279" cy="547750"/>
+          </a:xfrm>
+          <a:prstGeom prst="rect">
+            <a:avLst/>
+          </a:prstGeom>
+          <a:ln w="12700">
+            <a:miter lim="400000"/>
+          </a:ln>
+          <a:extLst>
+            <a:ext uri="{C572A759-6A51-4108-AA02-DFA0A04FC94B}">
+              <ma14:wrappingTextBoxFlag xmlns:ma14="http://schemas.microsoft.com/office/mac/drawingml/2011/main" val="1"/>
+            </a:ext>
+          </a:extLst>
+        </p:spPr>
+        <p:txBody>
+          <a:bodyPr wrap="none" lIns="50800" tIns="50800" rIns="50800" bIns="50800" anchor="ctr">
+            <a:spAutoFit/>
+          </a:bodyPr>
+          <a:lstStyle/>
+          <a:p>
+            <a:pPr/>
+            <a:r>
+              <a:t>Tablet</a:t>
+            </a:r>
+          </a:p>
+        </p:txBody>
+      </p:sp>
+      <p:sp>
+        <p:nvSpPr>
+          <p:cNvPr id="166" name="Line"/>
+          <p:cNvSpPr/>
+          <p:nvPr/>
+        </p:nvSpPr>
+        <p:spPr>
+          <a:xfrm flipH="1" flipV="1">
+            <a:off x="684513" y="12363219"/>
+            <a:ext cx="10877804" cy="1"/>
+          </a:xfrm>
+          <a:prstGeom prst="line">
+            <a:avLst/>
+          </a:prstGeom>
+          <a:ln w="12700">
+            <a:solidFill>
+              <a:srgbClr val="FFFFFF"/>
+            </a:solidFill>
+            <a:miter lim="400000"/>
+          </a:ln>
+        </p:spPr>
+        <p:txBody>
+          <a:bodyPr lIns="50800" tIns="50800" rIns="50800" bIns="50800" anchor="ctr"/>
+          <a:lstStyle/>
+          <a:p>
+            <a:pPr algn="ctr">
+              <a:spcBef>
+                <a:spcPts val="0"/>
+              </a:spcBef>
+              <a:defRPr sz="5000">
+                <a:effectLst>
+                  <a:outerShdw sx="100000" sy="100000" kx="0" ky="0" algn="b" rotWithShape="0" blurRad="50800" dist="38100" dir="5400000">
+                    <a:srgbClr val="000000"/>
+                  </a:outerShdw>
+                </a:effectLst>
+              </a:defRPr>
+            </a:pPr>
+          </a:p>
+        </p:txBody>
+      </p:sp>
     </p:spTree>
   </p:cSld>
   <p:clrMapOvr>
@@ -4933,7 +4933,7 @@
             <a:off x="-780311" y="57443"/>
             <a:ext cx="25944622" cy="13651915"/>
             <a:chOff x="0" y="0"/>
-            <a:chExt cx="25944620" cy="13651913"/>
+            <a:chExt cx="25944621" cy="13651913"/>
           </a:xfrm>
         </p:grpSpPr>
         <p:pic>
@@ -4955,7 +4955,7 @@
           <p:spPr>
             <a:xfrm>
               <a:off x="0" y="0"/>
-              <a:ext cx="6686652" cy="13651914"/>
+              <a:ext cx="6686651" cy="13651914"/>
             </a:xfrm>
             <a:prstGeom prst="rect">
               <a:avLst/>
@@ -5016,8 +5016,8 @@
           </p:blipFill>
           <p:spPr>
             <a:xfrm>
-              <a:off x="12616494" y="0"/>
-              <a:ext cx="6686652" cy="13651914"/>
+              <a:off x="12616495" y="0"/>
+              <a:ext cx="6686651" cy="13651914"/>
             </a:xfrm>
             <a:prstGeom prst="rect">
               <a:avLst/>
@@ -5047,8 +5047,8 @@
           </p:blipFill>
           <p:spPr>
             <a:xfrm>
-              <a:off x="19257969" y="0"/>
-              <a:ext cx="6686653" cy="13651914"/>
+              <a:off x="19257970" y="0"/>
+              <a:ext cx="6686652" cy="13651914"/>
             </a:xfrm>
             <a:prstGeom prst="rect">
               <a:avLst/>
@@ -5061,9 +5061,51 @@
           </p:spPr>
         </p:pic>
       </p:grpSp>
+      <p:sp>
+        <p:nvSpPr>
+          <p:cNvPr id="174" name="Rectangle"/>
+          <p:cNvSpPr/>
+          <p:nvPr/>
+        </p:nvSpPr>
+        <p:spPr>
+          <a:xfrm>
+            <a:off x="-208123" y="-46626"/>
+            <a:ext cx="24800246" cy="13809252"/>
+          </a:xfrm>
+          <a:prstGeom prst="rect">
+            <a:avLst/>
+          </a:prstGeom>
+          <a:solidFill>
+            <a:srgbClr val="FFFFFF">
+              <a:alpha val="15311"/>
+            </a:srgbClr>
+          </a:solidFill>
+          <a:ln w="12700">
+            <a:miter lim="400000"/>
+          </a:ln>
+        </p:spPr>
+        <p:txBody>
+          <a:bodyPr lIns="50800" tIns="50800" rIns="50800" bIns="50800" anchor="ctr"/>
+          <a:lstStyle/>
+          <a:p>
+            <a:pPr algn="ctr">
+              <a:spcBef>
+                <a:spcPts val="0"/>
+              </a:spcBef>
+              <a:defRPr sz="5000">
+                <a:effectLst>
+                  <a:outerShdw sx="100000" sy="100000" kx="0" ky="0" algn="b" rotWithShape="0" blurRad="50800" dist="38100" dir="5400000">
+                    <a:srgbClr val="000000"/>
+                  </a:outerShdw>
+                </a:effectLst>
+              </a:defRPr>
+            </a:pPr>
+          </a:p>
+        </p:txBody>
+      </p:sp>
       <p:grpSp>
         <p:nvGrpSpPr>
-          <p:cNvPr id="181" name="Group"/>
+          <p:cNvPr id="182" name="Group"/>
           <p:cNvGrpSpPr/>
           <p:nvPr/>
         </p:nvGrpSpPr>
@@ -5077,7 +5119,7 @@
         </p:grpSpPr>
         <p:pic>
           <p:nvPicPr>
-            <p:cNvPr id="174" name="Desktop-Contact.png" descr="Desktop-Contact.png"/>
+            <p:cNvPr id="175" name="Desktop-Contact.png" descr="Desktop-Contact.png"/>
             <p:cNvPicPr>
               <a:picLocks noChangeAspect="1"/>
             </p:cNvPicPr>
@@ -5109,7 +5151,7 @@
         </p:pic>
         <p:sp>
           <p:nvSpPr>
-            <p:cNvPr id="175" name="Rectangle"/>
+            <p:cNvPr id="176" name="Rectangle"/>
             <p:cNvSpPr/>
             <p:nvPr/>
           </p:nvSpPr>
@@ -5153,14 +5195,14 @@
         </p:sp>
         <p:sp>
           <p:nvSpPr>
-            <p:cNvPr id="176" name="Rectangle"/>
+            <p:cNvPr id="177" name="Rectangle"/>
             <p:cNvSpPr/>
             <p:nvPr/>
           </p:nvSpPr>
           <p:spPr>
             <a:xfrm>
-              <a:off x="4468334" y="211065"/>
-              <a:ext cx="1228880" cy="449232"/>
+              <a:off x="4468335" y="211065"/>
+              <a:ext cx="1228879" cy="449232"/>
             </a:xfrm>
             <a:prstGeom prst="rect">
               <a:avLst/>
@@ -5197,7 +5239,7 @@
         </p:sp>
         <p:sp>
           <p:nvSpPr>
-            <p:cNvPr id="177" name="Rectangle"/>
+            <p:cNvPr id="178" name="Rectangle"/>
             <p:cNvSpPr/>
             <p:nvPr/>
           </p:nvSpPr>
@@ -5241,14 +5283,14 @@
         </p:sp>
         <p:sp>
           <p:nvSpPr>
-            <p:cNvPr id="178" name="Rectangle"/>
+            <p:cNvPr id="179" name="Rectangle"/>
             <p:cNvSpPr/>
             <p:nvPr/>
           </p:nvSpPr>
           <p:spPr>
             <a:xfrm>
-              <a:off x="4468334" y="1142841"/>
-              <a:ext cx="1725552" cy="449232"/>
+              <a:off x="4468335" y="1142841"/>
+              <a:ext cx="1725551" cy="449232"/>
             </a:xfrm>
             <a:prstGeom prst="rect">
               <a:avLst/>
@@ -5285,7 +5327,7 @@
         </p:sp>
         <p:sp>
           <p:nvSpPr>
-            <p:cNvPr id="179" name="Rectangle"/>
+            <p:cNvPr id="180" name="Rectangle"/>
             <p:cNvSpPr/>
             <p:nvPr/>
           </p:nvSpPr>
@@ -5329,7 +5371,7 @@
         </p:sp>
         <p:sp>
           <p:nvSpPr>
-            <p:cNvPr id="180" name="Rectangle"/>
+            <p:cNvPr id="181" name="Rectangle"/>
             <p:cNvSpPr/>
             <p:nvPr/>
           </p:nvSpPr>
@@ -5374,21 +5416,21 @@
       </p:grpSp>
       <p:grpSp>
         <p:nvGrpSpPr>
-          <p:cNvPr id="184" name="Group"/>
+          <p:cNvPr id="185" name="Group"/>
           <p:cNvGrpSpPr/>
           <p:nvPr/>
         </p:nvGrpSpPr>
         <p:grpSpPr>
           <a:xfrm>
-            <a:off x="2658401" y="1748950"/>
-            <a:ext cx="6981230" cy="2128103"/>
+            <a:off x="2658402" y="1748950"/>
+            <a:ext cx="6981229" cy="2128103"/>
             <a:chOff x="-131066" y="-98085"/>
             <a:chExt cx="6981228" cy="2128101"/>
           </a:xfrm>
         </p:grpSpPr>
         <p:pic>
           <p:nvPicPr>
-            <p:cNvPr id="182" name="Desktop-Contact.png" descr="Desktop-Contact.png"/>
+            <p:cNvPr id="183" name="Desktop-Contact.png" descr="Desktop-Contact.png"/>
             <p:cNvPicPr>
               <a:picLocks noChangeAspect="1"/>
             </p:cNvPicPr>
@@ -5406,7 +5448,7 @@
           <p:spPr>
             <a:xfrm>
               <a:off x="-131067" y="-98086"/>
-              <a:ext cx="6981230" cy="2128102"/>
+              <a:ext cx="6981230" cy="2128103"/>
             </a:xfrm>
             <a:prstGeom prst="rect">
               <a:avLst/>
@@ -5420,7 +5462,7 @@
         </p:pic>
         <p:sp>
           <p:nvSpPr>
-            <p:cNvPr id="183" name="Rectangle"/>
+            <p:cNvPr id="184" name="Rectangle"/>
             <p:cNvSpPr/>
             <p:nvPr/>
           </p:nvSpPr>
@@ -5465,7 +5507,7 @@
       </p:grpSp>
       <p:sp>
         <p:nvSpPr>
-          <p:cNvPr id="185" name="R6 Design"/>
+          <p:cNvPr id="186" name="R6 Design"/>
           <p:cNvSpPr txBox="1"/>
           <p:nvPr>
             <p:ph type="ctrTitle"/>
@@ -5501,7 +5543,7 @@
       </p:sp>
       <p:sp>
         <p:nvSpPr>
-          <p:cNvPr id="186" name="Design idea"/>
+          <p:cNvPr id="187" name="Design idea"/>
           <p:cNvSpPr txBox="1"/>
           <p:nvPr>
             <p:ph type="subTitle" sz="quarter" idx="1"/>
@@ -5540,13 +5582,13 @@
       </p:sp>
       <p:sp>
         <p:nvSpPr>
-          <p:cNvPr id="187" name="The design idea was born from the simplicity and look of the wireframe style I was using, I was looking for a design that allowed me to focus on the code and the responsive components I wanted to try style.…"/>
+          <p:cNvPr id="188" name="The design idea was born from the simplicity and look of the wireframe style I was using, I was looking for a design that allowed me to focus on the code and the responsive components I wanted to try style.…"/>
           <p:cNvSpPr txBox="1"/>
           <p:nvPr/>
         </p:nvSpPr>
         <p:spPr>
           <a:xfrm>
-            <a:off x="12272789" y="1884750"/>
+            <a:off x="12272789" y="1897450"/>
             <a:ext cx="10735939" cy="6608346"/>
           </a:xfrm>
           <a:prstGeom prst="rect">
@@ -5620,7 +5662,7 @@
               </a:defRPr>
             </a:pPr>
             <a:r>
-              <a:t>I realised following this look, could only take me to create a vintage-y, tech-y or old-game-y site, the animation in the buttons try to reinforce this by bringing a bit of 80s to it</a:t>
+              <a:t>Following the look of the button, I decided to have a vintage-y, tech-y or old-game-y site look, the animation in the buttons try to reinforce this by bringing a bit of 80s to it</a:t>
             </a:r>
           </a:p>
           <a:p>
@@ -5642,7 +5684,7 @@
       </p:sp>
       <p:sp>
         <p:nvSpPr>
-          <p:cNvPr id="188" name="The Blog idea"/>
+          <p:cNvPr id="189" name="The Blog idea"/>
           <p:cNvSpPr txBox="1"/>
           <p:nvPr/>
         </p:nvSpPr>
@@ -5693,7 +5735,7 @@
       </p:sp>
       <p:sp>
         <p:nvSpPr>
-          <p:cNvPr id="189" name="As mentioned before, in my workflow and design, I wanted the blog to sit as its own entity and somewhat separate from the portfolio. This however, keeping some of the visual relation by using the same elements, but as an inverted version, so reading woul"/>
+          <p:cNvPr id="190" name="As mentioned before, in my workflow and design, I wanted the blog to sit as its own entity and somewhat separate from the portfolio. This however, keeping some of the visual relation by using the same elements, but as an inverted version, so reading woul"/>
           <p:cNvSpPr txBox="1"/>
           <p:nvPr/>
         </p:nvSpPr>
@@ -5740,7 +5782,7 @@
       </p:sp>
       <p:grpSp>
         <p:nvGrpSpPr>
-          <p:cNvPr id="193" name="Group"/>
+          <p:cNvPr id="194" name="Group"/>
           <p:cNvGrpSpPr/>
           <p:nvPr/>
         </p:nvGrpSpPr>
@@ -5754,7 +5796,7 @@
         </p:grpSpPr>
         <p:pic>
           <p:nvPicPr>
-            <p:cNvPr id="190" name="theBlog.png" descr="theBlog.png"/>
+            <p:cNvPr id="191" name="theBlog.png" descr="theBlog.png"/>
             <p:cNvPicPr>
               <a:picLocks noChangeAspect="1"/>
             </p:cNvPicPr>
@@ -5785,7 +5827,7 @@
         </p:pic>
         <p:pic>
           <p:nvPicPr>
-            <p:cNvPr id="191" name="theBlog.png" descr="theBlog.png"/>
+            <p:cNvPr id="192" name="theBlog.png" descr="theBlog.png"/>
             <p:cNvPicPr>
               <a:picLocks noChangeAspect="1"/>
             </p:cNvPicPr>
@@ -5816,7 +5858,7 @@
         </p:pic>
         <p:pic>
           <p:nvPicPr>
-            <p:cNvPr id="192" name="theBlog.png" descr="theBlog.png"/>
+            <p:cNvPr id="193" name="theBlog.png" descr="theBlog.png"/>
             <p:cNvPicPr>
               <a:picLocks noChangeAspect="1"/>
             </p:cNvPicPr>
@@ -5889,7 +5931,7 @@
       </p:grpSpPr>
       <p:sp>
         <p:nvSpPr>
-          <p:cNvPr id="195" name="R7 Components"/>
+          <p:cNvPr id="196" name="R7 Components"/>
           <p:cNvSpPr txBox="1"/>
           <p:nvPr>
             <p:ph type="ctrTitle"/>
@@ -5921,7 +5963,7 @@
       </p:sp>
       <p:sp>
         <p:nvSpPr>
-          <p:cNvPr id="196" name="Text and image"/>
+          <p:cNvPr id="197" name="Text and image"/>
           <p:cNvSpPr txBox="1"/>
           <p:nvPr>
             <p:ph type="subTitle" sz="quarter" idx="1"/>
@@ -5960,7 +6002,7 @@
       </p:sp>
       <p:sp>
         <p:nvSpPr>
-          <p:cNvPr id="197" name="The Components used in the site offer flexibility and scalability, besides being simple to implement for responsive sizes…"/>
+          <p:cNvPr id="198" name="The Components used in the site offer flexibility and scalability, besides being simple to implement for responsive sizes…"/>
           <p:cNvSpPr txBox="1"/>
           <p:nvPr/>
         </p:nvSpPr>
@@ -6041,14 +6083,14 @@
               <a:buChar char="•"/>
             </a:pPr>
             <a:r>
-              <a:t> A 3 column component, which is ideal to show a quick glance to articles, these are more complex, as these contain more styles for the text section</a:t>
+              <a:t> A 3 column component, which is ideal for a quick glance to articles, these are more complex, as these contain more styles for the text section</a:t>
             </a:r>
           </a:p>
         </p:txBody>
       </p:sp>
       <p:pic>
         <p:nvPicPr>
-          <p:cNvPr id="198" name="casestudy.png" descr="casestudy.png"/>
+          <p:cNvPr id="199" name="casestudy.png" descr="casestudy.png"/>
           <p:cNvPicPr>
             <a:picLocks noChangeAspect="1"/>
           </p:cNvPicPr>
@@ -6077,7 +6119,7 @@
       </p:pic>
       <p:pic>
         <p:nvPicPr>
-          <p:cNvPr id="199" name="blog.png" descr="blog.png"/>
+          <p:cNvPr id="200" name="blog.png" descr="blog.png"/>
           <p:cNvPicPr>
             <a:picLocks noChangeAspect="1"/>
           </p:cNvPicPr>
@@ -6094,7 +6136,7 @@
         <p:spPr>
           <a:xfrm>
             <a:off x="1654131" y="9038256"/>
-            <a:ext cx="8977181" cy="3979884"/>
+            <a:ext cx="8977181" cy="3979883"/>
           </a:xfrm>
           <a:prstGeom prst="rect">
             <a:avLst/>
@@ -6106,7 +6148,7 @@
       </p:pic>
       <p:pic>
         <p:nvPicPr>
-          <p:cNvPr id="200" name="latestwork.png" descr="latestwork.png"/>
+          <p:cNvPr id="201" name="latestwork.png" descr="latestwork.png"/>
           <p:cNvPicPr>
             <a:picLocks noChangeAspect="1"/>
           </p:cNvPicPr>
@@ -6176,7 +6218,7 @@
       </p:grpSpPr>
       <p:sp>
         <p:nvSpPr>
-          <p:cNvPr id="202" name="R7 Components"/>
+          <p:cNvPr id="203" name="R7 Components"/>
           <p:cNvSpPr txBox="1"/>
           <p:nvPr>
             <p:ph type="ctrTitle"/>
@@ -6208,7 +6250,7 @@
       </p:sp>
       <p:sp>
         <p:nvSpPr>
-          <p:cNvPr id="203" name="Navigation and links"/>
+          <p:cNvPr id="204" name="Navigation and links"/>
           <p:cNvSpPr txBox="1"/>
           <p:nvPr>
             <p:ph type="subTitle" sz="quarter" idx="1"/>
@@ -6247,7 +6289,7 @@
       </p:sp>
       <p:sp>
         <p:nvSpPr>
-          <p:cNvPr id="204" name="Components like navigation menus that offer the visitor a friendly and obvious interaction with the site, also indicates the page the user is on…"/>
+          <p:cNvPr id="205" name="Components like navigation menus that offer the visitor a friendly and obvious interaction with the site, also indicates the page the user is on…"/>
           <p:cNvSpPr txBox="1"/>
           <p:nvPr/>
         </p:nvSpPr>
@@ -6300,14 +6342,14 @@
               </a:spcBef>
             </a:pPr>
             <a:r>
-              <a:t>The footer is simple and clean, with less visually appealing buttons than the main menu, but clear enough to indicate you have external links </a:t>
+              <a:t>The footer is simple and clean, with less visually appealing buttons than the main menu, but different form the main menu to indicate you have external links </a:t>
             </a:r>
           </a:p>
         </p:txBody>
       </p:sp>
       <p:pic>
         <p:nvPicPr>
-          <p:cNvPr id="205" name="nav.png" descr="nav.png"/>
+          <p:cNvPr id="206" name="nav.png" descr="nav.png"/>
           <p:cNvPicPr>
             <a:picLocks noChangeAspect="1"/>
           </p:cNvPicPr>
@@ -6336,7 +6378,7 @@
       </p:pic>
       <p:pic>
         <p:nvPicPr>
-          <p:cNvPr id="206" name="footer.png" descr="footer.png"/>
+          <p:cNvPr id="207" name="footer.png" descr="footer.png"/>
           <p:cNvPicPr>
             <a:picLocks noChangeAspect="1"/>
           </p:cNvPicPr>
@@ -6365,7 +6407,7 @@
       </p:pic>
       <p:grpSp>
         <p:nvGrpSpPr>
-          <p:cNvPr id="212" name="Group"/>
+          <p:cNvPr id="213" name="Group"/>
           <p:cNvGrpSpPr/>
           <p:nvPr/>
         </p:nvGrpSpPr>
@@ -6379,7 +6421,7 @@
         </p:grpSpPr>
         <p:grpSp>
           <p:nvGrpSpPr>
-            <p:cNvPr id="210" name="Group"/>
+            <p:cNvPr id="211" name="Group"/>
             <p:cNvGrpSpPr/>
             <p:nvPr/>
           </p:nvGrpSpPr>
@@ -6393,7 +6435,7 @@
           </p:grpSpPr>
           <p:pic>
             <p:nvPicPr>
-              <p:cNvPr id="207" name="nav.png" descr="nav.png"/>
+              <p:cNvPr id="208" name="nav.png" descr="nav.png"/>
               <p:cNvPicPr>
                 <a:picLocks noChangeAspect="1"/>
               </p:cNvPicPr>
@@ -6424,7 +6466,7 @@
           </p:pic>
           <p:pic>
             <p:nvPicPr>
-              <p:cNvPr id="208" name="nav.png" descr="nav.png"/>
+              <p:cNvPr id="209" name="nav.png" descr="nav.png"/>
               <p:cNvPicPr>
                 <a:picLocks noChangeAspect="1"/>
               </p:cNvPicPr>
@@ -6455,7 +6497,7 @@
           </p:pic>
           <p:pic>
             <p:nvPicPr>
-              <p:cNvPr id="209" name="nav.png" descr="nav.png"/>
+              <p:cNvPr id="210" name="nav.png" descr="nav.png"/>
               <p:cNvPicPr>
                 <a:picLocks noChangeAspect="1"/>
               </p:cNvPicPr>
@@ -6487,7 +6529,7 @@
         </p:grpSp>
         <p:pic>
           <p:nvPicPr>
-            <p:cNvPr id="211" name="text link.png" descr="text link.png"/>
+            <p:cNvPr id="212" name="text link.png" descr="text link.png"/>
             <p:cNvPicPr>
               <a:picLocks noChangeAspect="1"/>
             </p:cNvPicPr>
@@ -6561,7 +6603,7 @@
       </p:grpSpPr>
       <p:sp>
         <p:nvSpPr>
-          <p:cNvPr id="214" name="R7 Components"/>
+          <p:cNvPr id="215" name="R7 Components"/>
           <p:cNvSpPr txBox="1"/>
           <p:nvPr>
             <p:ph type="ctrTitle"/>
@@ -6593,7 +6635,7 @@
       </p:sp>
       <p:sp>
         <p:nvSpPr>
-          <p:cNvPr id="215" name="Grid image"/>
+          <p:cNvPr id="216" name="Grid image"/>
           <p:cNvSpPr txBox="1"/>
           <p:nvPr>
             <p:ph type="subTitle" sz="quarter" idx="1"/>
@@ -6632,7 +6674,7 @@
       </p:sp>
       <p:sp>
         <p:nvSpPr>
-          <p:cNvPr id="216" name="A flexible grid component that changes form when displayed on difference screen sizes…"/>
+          <p:cNvPr id="217" name="A flexible grid component that changes form when displayed on difference screen sizes…"/>
           <p:cNvSpPr txBox="1"/>
           <p:nvPr/>
         </p:nvSpPr>
@@ -6682,7 +6724,7 @@
       </p:sp>
       <p:pic>
         <p:nvPicPr>
-          <p:cNvPr id="217" name="work-Grid-images.png" descr="work-Grid-images.png"/>
+          <p:cNvPr id="218" name="work-Grid-images.png" descr="work-Grid-images.png"/>
           <p:cNvPicPr>
             <a:picLocks noChangeAspect="1"/>
           </p:cNvPicPr>
